--- a/dusza2024_1/Dusza.pptx
+++ b/dusza2024_1/Dusza.pptx
@@ -106,6 +106,11 @@
       </a:defRPr>
     </a:lvl9pPr>
   </p:defaultTextStyle>
+  <p:extLst>
+    <p:ext uri="{EFAFB233-063F-42B5-8137-9DF3F51BA10A}">
+      <p15:sldGuideLst xmlns:p15="http://schemas.microsoft.com/office/powerpoint/2012/main"/>
+    </p:ext>
+  </p:extLst>
 </p:presentation>
 </file>
 
@@ -3400,6 +3405,14 @@
 <file path=ppt/slides/slide2.xml><?xml version="1.0" encoding="utf-8"?>
 <p:sld xmlns:a="http://schemas.openxmlformats.org/drawingml/2006/main" xmlns:r="http://schemas.openxmlformats.org/officeDocument/2006/relationships" xmlns:p="http://schemas.openxmlformats.org/presentationml/2006/main">
   <p:cSld>
+    <p:bg>
+      <p:bgPr>
+        <a:solidFill>
+          <a:schemeClr val="bg1"/>
+        </a:solidFill>
+        <a:effectLst/>
+      </p:bgPr>
+    </p:bg>
     <p:spTree>
       <p:nvGrpSpPr>
         <p:cNvPr id="1" name=""/>
@@ -3414,6 +3427,66 @@
           <a:chExt cx="0" cy="0"/>
         </a:xfrm>
       </p:grpSpPr>
+      <p:sp useBgFill="1">
+        <p:nvSpPr>
+          <p:cNvPr id="12" name="Rectangle 11">
+            <a:extLst>
+              <a:ext uri="{FF2B5EF4-FFF2-40B4-BE49-F238E27FC236}">
+                <a16:creationId xmlns:a16="http://schemas.microsoft.com/office/drawing/2014/main" id="{C4879EFC-8E62-4E00-973C-C45EE9EC676D}"/>
+              </a:ext>
+              <a:ext uri="{C183D7F6-B498-43B3-948B-1728B52AA6E4}">
+                <adec:decorative xmlns:adec="http://schemas.microsoft.com/office/drawing/2017/decorative" val="1"/>
+              </a:ext>
+            </a:extLst>
+          </p:cNvPr>
+          <p:cNvSpPr>
+            <a:spLocks noGrp="1" noRot="1" noChangeAspect="1" noMove="1" noResize="1" noEditPoints="1" noAdjustHandles="1" noChangeArrowheads="1" noChangeShapeType="1" noTextEdit="1"/>
+          </p:cNvSpPr>
+          <p:nvPr>
+            <p:extLst>
+              <p:ext uri="{386F3935-93C4-4BCD-93E2-E3B085C9AB24}">
+                <p16:designElem xmlns:p16="http://schemas.microsoft.com/office/powerpoint/2015/main" val="1"/>
+              </p:ext>
+            </p:extLst>
+          </p:nvPr>
+        </p:nvSpPr>
+        <p:spPr>
+          <a:xfrm>
+            <a:off x="0" y="0"/>
+            <a:ext cx="12188952" cy="6858000"/>
+          </a:xfrm>
+          <a:prstGeom prst="rect">
+            <a:avLst/>
+          </a:prstGeom>
+          <a:ln>
+            <a:noFill/>
+          </a:ln>
+        </p:spPr>
+        <p:style>
+          <a:lnRef idx="2">
+            <a:schemeClr val="accent1">
+              <a:shade val="50000"/>
+            </a:schemeClr>
+          </a:lnRef>
+          <a:fillRef idx="1">
+            <a:schemeClr val="accent1"/>
+          </a:fillRef>
+          <a:effectRef idx="0">
+            <a:schemeClr val="accent1"/>
+          </a:effectRef>
+          <a:fontRef idx="minor">
+            <a:schemeClr val="lt1"/>
+          </a:fontRef>
+        </p:style>
+        <p:txBody>
+          <a:bodyPr rtlCol="0" anchor="ctr"/>
+          <a:lstStyle/>
+          <a:p>
+            <a:pPr algn="ctr"/>
+            <a:endParaRPr lang="en-US"/>
+          </a:p>
+        </p:txBody>
+      </p:sp>
       <p:sp>
         <p:nvSpPr>
           <p:cNvPr id="2" name="Cím 1">
@@ -3430,13 +3503,21 @@
             <p:ph type="title"/>
           </p:nvPr>
         </p:nvSpPr>
-        <p:spPr/>
-        <p:txBody>
-          <a:bodyPr/>
-          <a:lstStyle/>
-          <a:p>
-            <a:r>
-              <a:rPr lang="hu-HU" dirty="0"/>
+        <p:spPr>
+          <a:xfrm>
+            <a:off x="638881" y="457200"/>
+            <a:ext cx="10909640" cy="1368614"/>
+          </a:xfrm>
+        </p:spPr>
+        <p:txBody>
+          <a:bodyPr vert="horz" lIns="91440" tIns="45720" rIns="91440" bIns="45720" rtlCol="0" anchor="ctr">
+            <a:normAutofit/>
+          </a:bodyPr>
+          <a:lstStyle/>
+          <a:p>
+            <a:pPr algn="ctr"/>
+            <a:r>
+              <a:rPr lang="en-US" sz="6600"/>
               <a:t>Felhasználókezelés</a:t>
             </a:r>
           </a:p>
@@ -3458,22 +3539,371 @@
             <p:ph idx="1"/>
           </p:nvPr>
         </p:nvSpPr>
-        <p:spPr/>
-        <p:txBody>
-          <a:bodyPr/>
-          <a:lstStyle/>
-          <a:p>
-            <a:r>
-              <a:rPr lang="hu-HU" dirty="0"/>
-              <a:t>A programban lehetővé tettük felhasználók regisztrációját és </a:t>
-            </a:r>
-            <a:r>
-              <a:rPr lang="hu-HU"/>
-              <a:t>bejelentkezését is.</a:t>
-            </a:r>
-          </a:p>
-        </p:txBody>
-      </p:sp>
+        <p:spPr>
+          <a:xfrm>
+            <a:off x="638881" y="1922561"/>
+            <a:ext cx="10909643" cy="552659"/>
+          </a:xfrm>
+        </p:spPr>
+        <p:txBody>
+          <a:bodyPr vert="horz" lIns="91440" tIns="45720" rIns="91440" bIns="45720" rtlCol="0" anchor="ctr">
+            <a:normAutofit/>
+          </a:bodyPr>
+          <a:lstStyle/>
+          <a:p>
+            <a:pPr marL="0" indent="0" algn="ctr">
+              <a:buNone/>
+            </a:pPr>
+            <a:r>
+              <a:rPr lang="en-US" sz="2400"/>
+              <a:t>A programban lehetővé tettük felhasználók regisztrációját és bejelentkezését is.</a:t>
+            </a:r>
+          </a:p>
+        </p:txBody>
+      </p:sp>
+      <p:sp>
+        <p:nvSpPr>
+          <p:cNvPr id="14" name="sketch line">
+            <a:extLst>
+              <a:ext uri="{FF2B5EF4-FFF2-40B4-BE49-F238E27FC236}">
+                <a16:creationId xmlns:a16="http://schemas.microsoft.com/office/drawing/2014/main" id="{D6A9C53F-5F90-40A5-8C85-5412D39C8C68}"/>
+              </a:ext>
+              <a:ext uri="{C183D7F6-B498-43B3-948B-1728B52AA6E4}">
+                <adec:decorative xmlns:adec="http://schemas.microsoft.com/office/drawing/2017/decorative" val="1"/>
+              </a:ext>
+            </a:extLst>
+          </p:cNvPr>
+          <p:cNvSpPr>
+            <a:spLocks noGrp="1" noRot="1" noChangeAspect="1" noMove="1" noResize="1" noEditPoints="1" noAdjustHandles="1" noChangeArrowheads="1" noChangeShapeType="1" noTextEdit="1"/>
+          </p:cNvSpPr>
+          <p:nvPr>
+            <p:extLst>
+              <p:ext uri="{386F3935-93C4-4BCD-93E2-E3B085C9AB24}">
+                <p16:designElem xmlns:p16="http://schemas.microsoft.com/office/powerpoint/2015/main" val="1"/>
+              </p:ext>
+            </p:extLst>
+          </p:nvPr>
+        </p:nvSpPr>
+        <p:spPr>
+          <a:xfrm>
+            <a:off x="4450080" y="1850683"/>
+            <a:ext cx="3291840" cy="18288"/>
+          </a:xfrm>
+          <a:custGeom>
+            <a:avLst/>
+            <a:gdLst>
+              <a:gd name="connsiteX0" fmla="*/ 0 w 3291840"/>
+              <a:gd name="connsiteY0" fmla="*/ 0 h 18288"/>
+              <a:gd name="connsiteX1" fmla="*/ 658368 w 3291840"/>
+              <a:gd name="connsiteY1" fmla="*/ 0 h 18288"/>
+              <a:gd name="connsiteX2" fmla="*/ 1283818 w 3291840"/>
+              <a:gd name="connsiteY2" fmla="*/ 0 h 18288"/>
+              <a:gd name="connsiteX3" fmla="*/ 1909267 w 3291840"/>
+              <a:gd name="connsiteY3" fmla="*/ 0 h 18288"/>
+              <a:gd name="connsiteX4" fmla="*/ 2633472 w 3291840"/>
+              <a:gd name="connsiteY4" fmla="*/ 0 h 18288"/>
+              <a:gd name="connsiteX5" fmla="*/ 3291840 w 3291840"/>
+              <a:gd name="connsiteY5" fmla="*/ 0 h 18288"/>
+              <a:gd name="connsiteX6" fmla="*/ 3291840 w 3291840"/>
+              <a:gd name="connsiteY6" fmla="*/ 18288 h 18288"/>
+              <a:gd name="connsiteX7" fmla="*/ 2633472 w 3291840"/>
+              <a:gd name="connsiteY7" fmla="*/ 18288 h 18288"/>
+              <a:gd name="connsiteX8" fmla="*/ 2073859 w 3291840"/>
+              <a:gd name="connsiteY8" fmla="*/ 18288 h 18288"/>
+              <a:gd name="connsiteX9" fmla="*/ 1448410 w 3291840"/>
+              <a:gd name="connsiteY9" fmla="*/ 18288 h 18288"/>
+              <a:gd name="connsiteX10" fmla="*/ 822960 w 3291840"/>
+              <a:gd name="connsiteY10" fmla="*/ 18288 h 18288"/>
+              <a:gd name="connsiteX11" fmla="*/ 0 w 3291840"/>
+              <a:gd name="connsiteY11" fmla="*/ 18288 h 18288"/>
+              <a:gd name="connsiteX12" fmla="*/ 0 w 3291840"/>
+              <a:gd name="connsiteY12" fmla="*/ 0 h 18288"/>
+            </a:gdLst>
+            <a:ahLst/>
+            <a:cxnLst>
+              <a:cxn ang="0">
+                <a:pos x="connsiteX0" y="connsiteY0"/>
+              </a:cxn>
+              <a:cxn ang="0">
+                <a:pos x="connsiteX1" y="connsiteY1"/>
+              </a:cxn>
+              <a:cxn ang="0">
+                <a:pos x="connsiteX2" y="connsiteY2"/>
+              </a:cxn>
+              <a:cxn ang="0">
+                <a:pos x="connsiteX3" y="connsiteY3"/>
+              </a:cxn>
+              <a:cxn ang="0">
+                <a:pos x="connsiteX4" y="connsiteY4"/>
+              </a:cxn>
+              <a:cxn ang="0">
+                <a:pos x="connsiteX5" y="connsiteY5"/>
+              </a:cxn>
+              <a:cxn ang="0">
+                <a:pos x="connsiteX6" y="connsiteY6"/>
+              </a:cxn>
+              <a:cxn ang="0">
+                <a:pos x="connsiteX7" y="connsiteY7"/>
+              </a:cxn>
+              <a:cxn ang="0">
+                <a:pos x="connsiteX8" y="connsiteY8"/>
+              </a:cxn>
+              <a:cxn ang="0">
+                <a:pos x="connsiteX9" y="connsiteY9"/>
+              </a:cxn>
+              <a:cxn ang="0">
+                <a:pos x="connsiteX10" y="connsiteY10"/>
+              </a:cxn>
+              <a:cxn ang="0">
+                <a:pos x="connsiteX11" y="connsiteY11"/>
+              </a:cxn>
+              <a:cxn ang="0">
+                <a:pos x="connsiteX12" y="connsiteY12"/>
+              </a:cxn>
+            </a:cxnLst>
+            <a:rect l="l" t="t" r="r" b="b"/>
+            <a:pathLst>
+              <a:path w="3291840" h="18288" fill="none" extrusionOk="0">
+                <a:moveTo>
+                  <a:pt x="0" y="0"/>
+                </a:moveTo>
+                <a:cubicBezTo>
+                  <a:pt x="173077" y="-20031"/>
+                  <a:pt x="443104" y="6424"/>
+                  <a:pt x="658368" y="0"/>
+                </a:cubicBezTo>
+                <a:cubicBezTo>
+                  <a:pt x="873632" y="-6424"/>
+                  <a:pt x="1034028" y="11764"/>
+                  <a:pt x="1283818" y="0"/>
+                </a:cubicBezTo>
+                <a:cubicBezTo>
+                  <a:pt x="1533608" y="-11764"/>
+                  <a:pt x="1691227" y="-30112"/>
+                  <a:pt x="1909267" y="0"/>
+                </a:cubicBezTo>
+                <a:cubicBezTo>
+                  <a:pt x="2127307" y="30112"/>
+                  <a:pt x="2272465" y="-18735"/>
+                  <a:pt x="2633472" y="0"/>
+                </a:cubicBezTo>
+                <a:cubicBezTo>
+                  <a:pt x="2994479" y="18735"/>
+                  <a:pt x="3023324" y="-32030"/>
+                  <a:pt x="3291840" y="0"/>
+                </a:cubicBezTo>
+                <a:cubicBezTo>
+                  <a:pt x="3291406" y="7551"/>
+                  <a:pt x="3291373" y="9822"/>
+                  <a:pt x="3291840" y="18288"/>
+                </a:cubicBezTo>
+                <a:cubicBezTo>
+                  <a:pt x="3048445" y="38989"/>
+                  <a:pt x="2846548" y="-14400"/>
+                  <a:pt x="2633472" y="18288"/>
+                </a:cubicBezTo>
+                <a:cubicBezTo>
+                  <a:pt x="2420396" y="50976"/>
+                  <a:pt x="2304099" y="6336"/>
+                  <a:pt x="2073859" y="18288"/>
+                </a:cubicBezTo>
+                <a:cubicBezTo>
+                  <a:pt x="1843619" y="30240"/>
+                  <a:pt x="1706926" y="10778"/>
+                  <a:pt x="1448410" y="18288"/>
+                </a:cubicBezTo>
+                <a:cubicBezTo>
+                  <a:pt x="1189894" y="25798"/>
+                  <a:pt x="1002278" y="8992"/>
+                  <a:pt x="822960" y="18288"/>
+                </a:cubicBezTo>
+                <a:cubicBezTo>
+                  <a:pt x="643642" y="27585"/>
+                  <a:pt x="307039" y="38051"/>
+                  <a:pt x="0" y="18288"/>
+                </a:cubicBezTo>
+                <a:cubicBezTo>
+                  <a:pt x="60" y="11696"/>
+                  <a:pt x="66" y="3758"/>
+                  <a:pt x="0" y="0"/>
+                </a:cubicBezTo>
+                <a:close/>
+              </a:path>
+              <a:path w="3291840" h="18288" stroke="0" extrusionOk="0">
+                <a:moveTo>
+                  <a:pt x="0" y="0"/>
+                </a:moveTo>
+                <a:cubicBezTo>
+                  <a:pt x="195850" y="28018"/>
+                  <a:pt x="434891" y="17390"/>
+                  <a:pt x="592531" y="0"/>
+                </a:cubicBezTo>
+                <a:cubicBezTo>
+                  <a:pt x="750171" y="-17390"/>
+                  <a:pt x="1018709" y="32200"/>
+                  <a:pt x="1316736" y="0"/>
+                </a:cubicBezTo>
+                <a:cubicBezTo>
+                  <a:pt x="1614763" y="-32200"/>
+                  <a:pt x="1696480" y="-11367"/>
+                  <a:pt x="1876349" y="0"/>
+                </a:cubicBezTo>
+                <a:cubicBezTo>
+                  <a:pt x="2056218" y="11367"/>
+                  <a:pt x="2193364" y="13433"/>
+                  <a:pt x="2435962" y="0"/>
+                </a:cubicBezTo>
+                <a:cubicBezTo>
+                  <a:pt x="2678560" y="-13433"/>
+                  <a:pt x="3010901" y="-42367"/>
+                  <a:pt x="3291840" y="0"/>
+                </a:cubicBezTo>
+                <a:cubicBezTo>
+                  <a:pt x="3291758" y="4406"/>
+                  <a:pt x="3291751" y="9982"/>
+                  <a:pt x="3291840" y="18288"/>
+                </a:cubicBezTo>
+                <a:cubicBezTo>
+                  <a:pt x="3108993" y="14228"/>
+                  <a:pt x="2952658" y="46900"/>
+                  <a:pt x="2666390" y="18288"/>
+                </a:cubicBezTo>
+                <a:cubicBezTo>
+                  <a:pt x="2380122" y="-10324"/>
+                  <a:pt x="2263855" y="41055"/>
+                  <a:pt x="2040941" y="18288"/>
+                </a:cubicBezTo>
+                <a:cubicBezTo>
+                  <a:pt x="1818027" y="-4479"/>
+                  <a:pt x="1675097" y="6509"/>
+                  <a:pt x="1415491" y="18288"/>
+                </a:cubicBezTo>
+                <a:cubicBezTo>
+                  <a:pt x="1155885" y="30068"/>
+                  <a:pt x="852976" y="36210"/>
+                  <a:pt x="691286" y="18288"/>
+                </a:cubicBezTo>
+                <a:cubicBezTo>
+                  <a:pt x="529596" y="366"/>
+                  <a:pt x="187183" y="13912"/>
+                  <a:pt x="0" y="18288"/>
+                </a:cubicBezTo>
+                <a:cubicBezTo>
+                  <a:pt x="189" y="14288"/>
+                  <a:pt x="-703" y="3747"/>
+                  <a:pt x="0" y="0"/>
+                </a:cubicBezTo>
+                <a:close/>
+              </a:path>
+            </a:pathLst>
+          </a:custGeom>
+          <a:solidFill>
+            <a:schemeClr val="accent2"/>
+          </a:solidFill>
+          <a:ln w="41275" cap="rnd">
+            <a:solidFill>
+              <a:schemeClr val="accent2"/>
+            </a:solidFill>
+            <a:round/>
+            <a:extLst>
+              <a:ext uri="{C807C97D-BFC1-408E-A445-0C87EB9F89A2}">
+                <ask:lineSketchStyleProps xmlns:ask="http://schemas.microsoft.com/office/drawing/2018/sketchyshapes" sd="2863741219">
+                  <a:prstGeom prst="rect">
+                    <a:avLst/>
+                  </a:prstGeom>
+                  <ask:type>
+                    <ask:lineSketchFreehand/>
+                  </ask:type>
+                </ask:lineSketchStyleProps>
+              </a:ext>
+            </a:extLst>
+          </a:ln>
+        </p:spPr>
+        <p:style>
+          <a:lnRef idx="2">
+            <a:schemeClr val="accent1">
+              <a:shade val="50000"/>
+            </a:schemeClr>
+          </a:lnRef>
+          <a:fillRef idx="1">
+            <a:schemeClr val="accent1"/>
+          </a:fillRef>
+          <a:effectRef idx="0">
+            <a:schemeClr val="accent1"/>
+          </a:effectRef>
+          <a:fontRef idx="minor">
+            <a:schemeClr val="lt1"/>
+          </a:fontRef>
+        </p:style>
+        <p:txBody>
+          <a:bodyPr rtlCol="0" anchor="ctr"/>
+          <a:lstStyle/>
+          <a:p>
+            <a:pPr algn="ctr"/>
+            <a:endParaRPr lang="en-US"/>
+          </a:p>
+        </p:txBody>
+      </p:sp>
+      <p:pic>
+        <p:nvPicPr>
+          <p:cNvPr id="7" name="Kép 6">
+            <a:extLst>
+              <a:ext uri="{FF2B5EF4-FFF2-40B4-BE49-F238E27FC236}">
+                <a16:creationId xmlns:a16="http://schemas.microsoft.com/office/drawing/2014/main" id="{6C1C5319-435E-BC3E-5EFB-7CE7076996C2}"/>
+              </a:ext>
+            </a:extLst>
+          </p:cNvPr>
+          <p:cNvPicPr>
+            <a:picLocks noChangeAspect="1"/>
+          </p:cNvPicPr>
+          <p:nvPr/>
+        </p:nvPicPr>
+        <p:blipFill>
+          <a:blip r:embed="rId2"/>
+          <a:stretch>
+            <a:fillRect/>
+          </a:stretch>
+        </p:blipFill>
+        <p:spPr>
+          <a:xfrm>
+            <a:off x="320040" y="2992778"/>
+            <a:ext cx="5614416" cy="2905459"/>
+          </a:xfrm>
+          <a:prstGeom prst="rect">
+            <a:avLst/>
+          </a:prstGeom>
+        </p:spPr>
+      </p:pic>
+      <p:pic>
+        <p:nvPicPr>
+          <p:cNvPr id="5" name="Kép 4">
+            <a:extLst>
+              <a:ext uri="{FF2B5EF4-FFF2-40B4-BE49-F238E27FC236}">
+                <a16:creationId xmlns:a16="http://schemas.microsoft.com/office/drawing/2014/main" id="{36DC0DFA-ADD3-0935-D785-8B0E8EDD31A8}"/>
+              </a:ext>
+            </a:extLst>
+          </p:cNvPr>
+          <p:cNvPicPr>
+            <a:picLocks noChangeAspect="1"/>
+          </p:cNvPicPr>
+          <p:nvPr/>
+        </p:nvPicPr>
+        <p:blipFill>
+          <a:blip r:embed="rId3"/>
+          <a:stretch>
+            <a:fillRect/>
+          </a:stretch>
+        </p:blipFill>
+        <p:spPr>
+          <a:xfrm>
+            <a:off x="6254496" y="2999796"/>
+            <a:ext cx="5614416" cy="2891424"/>
+          </a:xfrm>
+          <a:prstGeom prst="rect">
+            <a:avLst/>
+          </a:prstGeom>
+        </p:spPr>
+      </p:pic>
     </p:spTree>
     <p:extLst>
       <p:ext uri="{BB962C8B-B14F-4D97-AF65-F5344CB8AC3E}">
